--- a/slides/4-动态链接-plt表和got表.pptx
+++ b/slides/4-动态链接-plt表和got表.pptx
@@ -5,7 +5,7 @@
     <p:sldMasterId id="2147483648" r:id="rId1"/>
   </p:sldMasterIdLst>
   <p:notesMasterIdLst>
-    <p:notesMasterId r:id="rId14"/>
+    <p:notesMasterId r:id="rId17"/>
   </p:notesMasterIdLst>
   <p:sldIdLst>
     <p:sldId id="256" r:id="rId2"/>
@@ -18,8 +18,11 @@
     <p:sldId id="259" r:id="rId9"/>
     <p:sldId id="264" r:id="rId10"/>
     <p:sldId id="267" r:id="rId11"/>
-    <p:sldId id="266" r:id="rId12"/>
-    <p:sldId id="261" r:id="rId13"/>
+    <p:sldId id="268" r:id="rId12"/>
+    <p:sldId id="270" r:id="rId13"/>
+    <p:sldId id="269" r:id="rId14"/>
+    <p:sldId id="266" r:id="rId15"/>
+    <p:sldId id="261" r:id="rId16"/>
   </p:sldIdLst>
   <p:sldSz cx="12192000" cy="6858000"/>
   <p:notesSz cx="6858000" cy="9144000"/>
@@ -149,6 +152,9 @@
           <p14:sldIdLst>
             <p14:sldId id="264"/>
             <p14:sldId id="267"/>
+            <p14:sldId id="268"/>
+            <p14:sldId id="270"/>
+            <p14:sldId id="269"/>
           </p14:sldIdLst>
         </p14:section>
         <p14:section name="防御措施" id="{65FD553D-213E-4A1C-BC55-059FD73821FF}">
@@ -248,7 +254,7 @@
           <a:p>
             <a:fld id="{26DB426A-27E4-4D8B-9A75-F13F0AD16809}" type="datetimeFigureOut">
               <a:rPr lang="zh-CN" altLang="en-US" smtClean="0"/>
-              <a:t>2020-09-06</a:t>
+              <a:t>2020-09-22</a:t>
             </a:fld>
             <a:endParaRPr lang="zh-CN" altLang="en-US"/>
           </a:p>
@@ -662,7 +668,7 @@
           <a:p>
             <a:fld id="{4E3AAF89-4BA1-4A93-9D3D-A34061051945}" type="datetime1">
               <a:rPr lang="zh-CN" altLang="en-US" smtClean="0"/>
-              <a:t>2020-09-06</a:t>
+              <a:t>2020-09-22</a:t>
             </a:fld>
             <a:endParaRPr lang="zh-CN" altLang="en-US"/>
           </a:p>
@@ -864,7 +870,7 @@
           <a:p>
             <a:fld id="{2AD1A36B-A908-4609-9DCF-4E62CC438ACD}" type="datetime1">
               <a:rPr lang="zh-CN" altLang="en-US" smtClean="0"/>
-              <a:t>2020-09-06</a:t>
+              <a:t>2020-09-22</a:t>
             </a:fld>
             <a:endParaRPr lang="zh-CN" altLang="en-US"/>
           </a:p>
@@ -1076,7 +1082,7 @@
           <a:p>
             <a:fld id="{51A01050-F30B-4980-8CDE-368B21A48EC5}" type="datetime1">
               <a:rPr lang="zh-CN" altLang="en-US" smtClean="0"/>
-              <a:t>2020-09-06</a:t>
+              <a:t>2020-09-22</a:t>
             </a:fld>
             <a:endParaRPr lang="zh-CN" altLang="en-US"/>
           </a:p>
@@ -1283,7 +1289,7 @@
           <a:p>
             <a:fld id="{7130C666-EEAB-4EE5-B95D-B4E5D06F6ED3}" type="datetime1">
               <a:rPr lang="zh-CN" altLang="en-US" smtClean="0"/>
-              <a:t>2020-09-06</a:t>
+              <a:t>2020-09-22</a:t>
             </a:fld>
             <a:endParaRPr lang="zh-CN" altLang="en-US"/>
           </a:p>
@@ -1562,7 +1568,7 @@
           <a:p>
             <a:fld id="{254A5A15-5C58-430A-BF2E-9ED564B16614}" type="datetime1">
               <a:rPr lang="zh-CN" altLang="en-US" smtClean="0"/>
-              <a:t>2020-09-06</a:t>
+              <a:t>2020-09-22</a:t>
             </a:fld>
             <a:endParaRPr lang="zh-CN" altLang="en-US"/>
           </a:p>
@@ -1831,7 +1837,7 @@
           <a:p>
             <a:fld id="{694085B5-097F-4862-A3DB-7619CA8BC276}" type="datetime1">
               <a:rPr lang="zh-CN" altLang="en-US" smtClean="0"/>
-              <a:t>2020-09-06</a:t>
+              <a:t>2020-09-22</a:t>
             </a:fld>
             <a:endParaRPr lang="zh-CN" altLang="en-US"/>
           </a:p>
@@ -2247,7 +2253,7 @@
           <a:p>
             <a:fld id="{28F12E1C-5449-4047-8657-F2A7F8755A64}" type="datetime1">
               <a:rPr lang="zh-CN" altLang="en-US" smtClean="0"/>
-              <a:t>2020-09-06</a:t>
+              <a:t>2020-09-22</a:t>
             </a:fld>
             <a:endParaRPr lang="zh-CN" altLang="en-US"/>
           </a:p>
@@ -2392,7 +2398,7 @@
           <a:p>
             <a:fld id="{D042E8F7-7B26-4DAD-8A48-70437CBFE6D5}" type="datetime1">
               <a:rPr lang="zh-CN" altLang="en-US" smtClean="0"/>
-              <a:t>2020-09-06</a:t>
+              <a:t>2020-09-22</a:t>
             </a:fld>
             <a:endParaRPr lang="zh-CN" altLang="en-US"/>
           </a:p>
@@ -2509,7 +2515,7 @@
           <a:p>
             <a:fld id="{032F9ACE-4EEF-4BC3-8747-FFA67293DECB}" type="datetime1">
               <a:rPr lang="zh-CN" altLang="en-US" smtClean="0"/>
-              <a:t>2020-09-06</a:t>
+              <a:t>2020-09-22</a:t>
             </a:fld>
             <a:endParaRPr lang="zh-CN" altLang="en-US"/>
           </a:p>
@@ -2824,7 +2830,7 @@
           <a:p>
             <a:fld id="{604DDCE0-E4C5-4D42-8F9F-2C553CC6F6F1}" type="datetime1">
               <a:rPr lang="zh-CN" altLang="en-US" smtClean="0"/>
-              <a:t>2020-09-06</a:t>
+              <a:t>2020-09-22</a:t>
             </a:fld>
             <a:endParaRPr lang="zh-CN" altLang="en-US"/>
           </a:p>
@@ -3116,7 +3122,7 @@
           <a:p>
             <a:fld id="{4EE0D83C-5ABC-4BDB-9D78-CD558E706EC5}" type="datetime1">
               <a:rPr lang="zh-CN" altLang="en-US" smtClean="0"/>
-              <a:t>2020-09-06</a:t>
+              <a:t>2020-09-22</a:t>
             </a:fld>
             <a:endParaRPr lang="zh-CN" altLang="en-US"/>
           </a:p>
@@ -3364,7 +3370,7 @@
           <a:p>
             <a:fld id="{D6BCA008-982A-4CB9-AD4E-6F4A0180C5CC}" type="datetime1">
               <a:rPr lang="zh-CN" altLang="en-US" smtClean="0"/>
-              <a:t>2020-09-06</a:t>
+              <a:t>2020-09-22</a:t>
             </a:fld>
             <a:endParaRPr lang="zh-CN" altLang="en-US"/>
           </a:p>
@@ -4064,6 +4070,14 @@
               <a:t>leak </a:t>
             </a:r>
             <a:r>
+              <a:rPr lang="en-US" altLang="zh-CN" dirty="0" err="1"/>
+              <a:t>libc</a:t>
+            </a:r>
+            <a:r>
+              <a:rPr lang="en-US" altLang="zh-CN" dirty="0"/>
+              <a:t> </a:t>
+            </a:r>
+            <a:r>
               <a:rPr lang="zh-CN" altLang="en-US" dirty="0"/>
               <a:t>地址</a:t>
             </a:r>
@@ -4097,7 +4111,7 @@
           <a:lstStyle/>
           <a:p>
             <a:r>
-              <a:rPr lang="en-US" altLang="zh-CN"/>
+              <a:rPr lang="en-US" altLang="zh-CN" dirty="0"/>
               <a:t>dl2.c</a:t>
             </a:r>
             <a:endParaRPr lang="zh-CN" altLang="en-US" dirty="0"/>
@@ -4197,7 +4211,7 @@
           <p:cNvPr id="2" name="标题 1">
             <a:extLst>
               <a:ext uri="{FF2B5EF4-FFF2-40B4-BE49-F238E27FC236}">
-                <a16:creationId xmlns:a16="http://schemas.microsoft.com/office/drawing/2014/main" id="{1ED10A70-9DED-41F9-A621-FFF7A9398DF2}"/>
+                <a16:creationId xmlns:a16="http://schemas.microsoft.com/office/drawing/2014/main" id="{7279EF71-3CE7-4C3C-AB8C-B887B20ACA28}"/>
               </a:ext>
             </a:extLst>
           </p:cNvPr>
@@ -4208,69 +4222,60 @@
             <p:ph type="title"/>
           </p:nvPr>
         </p:nvSpPr>
-        <p:spPr/>
+        <p:spPr>
+          <a:xfrm>
+            <a:off x="838200" y="365125"/>
+            <a:ext cx="10515600" cy="913169"/>
+          </a:xfrm>
+        </p:spPr>
         <p:txBody>
           <a:bodyPr/>
           <a:lstStyle/>
           <a:p>
             <a:r>
-              <a:rPr lang="en-US" altLang="zh-CN" dirty="0"/>
-              <a:t>FULLRELRO</a:t>
-            </a:r>
-            <a:endParaRPr lang="zh-CN" altLang="en-US" dirty="0"/>
-          </a:p>
-        </p:txBody>
-      </p:sp>
-      <p:sp>
-        <p:nvSpPr>
-          <p:cNvPr id="3" name="内容占位符 2">
-            <a:extLst>
-              <a:ext uri="{FF2B5EF4-FFF2-40B4-BE49-F238E27FC236}">
-                <a16:creationId xmlns:a16="http://schemas.microsoft.com/office/drawing/2014/main" id="{237CB7ED-977C-48F2-9C59-06D2BF2EA46A}"/>
-              </a:ext>
-            </a:extLst>
-          </p:cNvPr>
-          <p:cNvSpPr>
-            <a:spLocks noGrp="1"/>
-          </p:cNvSpPr>
-          <p:nvPr>
-            <p:ph idx="1"/>
-          </p:nvPr>
-        </p:nvSpPr>
-        <p:spPr/>
-        <p:txBody>
-          <a:bodyPr/>
-          <a:lstStyle/>
-          <a:p>
+              <a:rPr lang="zh-CN" altLang="en-US" dirty="0"/>
+              <a:t>通过修改</a:t>
+            </a:r>
             <a:r>
               <a:rPr lang="en-US" altLang="zh-CN" dirty="0"/>
               <a:t>got</a:t>
             </a:r>
             <a:r>
               <a:rPr lang="zh-CN" altLang="en-US" dirty="0"/>
-              <a:t>表中的内容在函数开始时就计算完毕</a:t>
-            </a:r>
-            <a:endParaRPr lang="en-US" altLang="zh-CN" dirty="0"/>
-          </a:p>
+              <a:t>表劫持控制流</a:t>
+            </a:r>
+          </a:p>
+        </p:txBody>
+      </p:sp>
+      <p:sp>
+        <p:nvSpPr>
+          <p:cNvPr id="3" name="内容占位符 2">
+            <a:extLst>
+              <a:ext uri="{FF2B5EF4-FFF2-40B4-BE49-F238E27FC236}">
+                <a16:creationId xmlns:a16="http://schemas.microsoft.com/office/drawing/2014/main" id="{04AA2C36-B0FF-41ED-9D86-224FA53FD3D1}"/>
+              </a:ext>
+            </a:extLst>
+          </p:cNvPr>
+          <p:cNvSpPr>
+            <a:spLocks noGrp="1"/>
+          </p:cNvSpPr>
+          <p:nvPr>
+            <p:ph idx="1"/>
+          </p:nvPr>
+        </p:nvSpPr>
+        <p:spPr>
+          <a:xfrm>
+            <a:off x="838200" y="1278294"/>
+            <a:ext cx="10515600" cy="4898669"/>
+          </a:xfrm>
+        </p:spPr>
+        <p:txBody>
+          <a:bodyPr/>
+          <a:lstStyle/>
           <a:p>
             <a:r>
               <a:rPr lang="en-US" altLang="zh-CN" dirty="0"/>
-              <a:t>got</a:t>
-            </a:r>
-            <a:r>
-              <a:rPr lang="zh-CN" altLang="en-US" dirty="0"/>
-              <a:t>表不可写</a:t>
-            </a:r>
-            <a:endParaRPr lang="en-US" altLang="zh-CN" dirty="0"/>
-          </a:p>
-          <a:p>
-            <a:r>
-              <a:rPr lang="en-US" altLang="zh-CN" dirty="0" err="1"/>
-              <a:t>gcc</a:t>
-            </a:r>
-            <a:r>
-              <a:rPr lang="en-US" altLang="zh-CN" dirty="0"/>
-              <a:t> -z now -no-pie dl1.c -o dl1_relro</a:t>
+              <a:t>dl3.c</a:t>
             </a:r>
             <a:endParaRPr lang="zh-CN" altLang="en-US" dirty="0"/>
           </a:p>
@@ -4281,7 +4286,7 @@
           <p:cNvPr id="4" name="页脚占位符 3">
             <a:extLst>
               <a:ext uri="{FF2B5EF4-FFF2-40B4-BE49-F238E27FC236}">
-                <a16:creationId xmlns:a16="http://schemas.microsoft.com/office/drawing/2014/main" id="{13EF40A7-A803-467E-A60B-28FD58BDF44D}"/>
+                <a16:creationId xmlns:a16="http://schemas.microsoft.com/office/drawing/2014/main" id="{82E9F4B9-A3A2-4820-8151-394BB5BCE2B4}"/>
               </a:ext>
             </a:extLst>
           </p:cNvPr>
@@ -4310,7 +4315,7 @@
           <p:cNvPr id="5" name="灯片编号占位符 4">
             <a:extLst>
               <a:ext uri="{FF2B5EF4-FFF2-40B4-BE49-F238E27FC236}">
-                <a16:creationId xmlns:a16="http://schemas.microsoft.com/office/drawing/2014/main" id="{7B71DB96-F00D-4590-B1B7-24E58AD98DC2}"/>
+                <a16:creationId xmlns:a16="http://schemas.microsoft.com/office/drawing/2014/main" id="{38E7086D-DF0A-4957-BFF1-F84C1FE92DF3}"/>
               </a:ext>
             </a:extLst>
           </p:cNvPr>
@@ -4329,6 +4334,1342 @@
             <a:fld id="{563FD956-B777-4B86-A348-4E3893DBD577}" type="slidenum">
               <a:rPr lang="zh-CN" altLang="en-US" smtClean="0"/>
               <a:t>11</a:t>
+            </a:fld>
+            <a:endParaRPr lang="zh-CN" altLang="en-US"/>
+          </a:p>
+        </p:txBody>
+      </p:sp>
+    </p:spTree>
+    <p:extLst>
+      <p:ext uri="{BB962C8B-B14F-4D97-AF65-F5344CB8AC3E}">
+        <p14:creationId xmlns:p14="http://schemas.microsoft.com/office/powerpoint/2010/main" val="939432984"/>
+      </p:ext>
+    </p:extLst>
+  </p:cSld>
+  <p:clrMapOvr>
+    <a:masterClrMapping/>
+  </p:clrMapOvr>
+</p:sld>
+</file>
+
+<file path=ppt/slides/slide12.xml><?xml version="1.0" encoding="utf-8"?>
+<p:sld xmlns:a="http://schemas.openxmlformats.org/drawingml/2006/main" xmlns:r="http://schemas.openxmlformats.org/officeDocument/2006/relationships" xmlns:p="http://schemas.openxmlformats.org/presentationml/2006/main">
+  <p:cSld>
+    <p:spTree>
+      <p:nvGrpSpPr>
+        <p:cNvPr id="1" name=""/>
+        <p:cNvGrpSpPr/>
+        <p:nvPr/>
+      </p:nvGrpSpPr>
+      <p:grpSpPr>
+        <a:xfrm>
+          <a:off x="0" y="0"/>
+          <a:ext cx="0" cy="0"/>
+          <a:chOff x="0" y="0"/>
+          <a:chExt cx="0" cy="0"/>
+        </a:xfrm>
+      </p:grpSpPr>
+      <p:sp>
+        <p:nvSpPr>
+          <p:cNvPr id="2" name="标题 1">
+            <a:extLst>
+              <a:ext uri="{FF2B5EF4-FFF2-40B4-BE49-F238E27FC236}">
+                <a16:creationId xmlns:a16="http://schemas.microsoft.com/office/drawing/2014/main" id="{FE89784F-52BC-4F84-8993-95A58B8B9595}"/>
+              </a:ext>
+            </a:extLst>
+          </p:cNvPr>
+          <p:cNvSpPr>
+            <a:spLocks noGrp="1"/>
+          </p:cNvSpPr>
+          <p:nvPr>
+            <p:ph type="title"/>
+          </p:nvPr>
+        </p:nvSpPr>
+        <p:spPr>
+          <a:xfrm>
+            <a:off x="838200" y="365126"/>
+            <a:ext cx="10515600" cy="950742"/>
+          </a:xfrm>
+        </p:spPr>
+        <p:txBody>
+          <a:bodyPr/>
+          <a:lstStyle/>
+          <a:p>
+            <a:r>
+              <a:rPr lang="zh-CN" altLang="en-US" dirty="0"/>
+              <a:t>动态链接的过程</a:t>
+            </a:r>
+          </a:p>
+        </p:txBody>
+      </p:sp>
+      <p:graphicFrame>
+        <p:nvGraphicFramePr>
+          <p:cNvPr id="6" name="内容占位符 5">
+            <a:extLst>
+              <a:ext uri="{FF2B5EF4-FFF2-40B4-BE49-F238E27FC236}">
+                <a16:creationId xmlns:a16="http://schemas.microsoft.com/office/drawing/2014/main" id="{1082C494-D9DC-4AE6-8AEA-432EC0FAB1EA}"/>
+              </a:ext>
+            </a:extLst>
+          </p:cNvPr>
+          <p:cNvGraphicFramePr>
+            <a:graphicFrameLocks noGrp="1"/>
+          </p:cNvGraphicFramePr>
+          <p:nvPr>
+            <p:ph idx="1"/>
+            <p:extLst>
+              <p:ext uri="{D42A27DB-BD31-4B8C-83A1-F6EECF244321}">
+                <p14:modId xmlns:p14="http://schemas.microsoft.com/office/powerpoint/2010/main" val="449601109"/>
+              </p:ext>
+            </p:extLst>
+          </p:nvPr>
+        </p:nvGraphicFramePr>
+        <p:xfrm>
+          <a:off x="718457" y="2656050"/>
+          <a:ext cx="4114799" cy="2480714"/>
+        </p:xfrm>
+        <a:graphic>
+          <a:graphicData uri="http://schemas.openxmlformats.org/drawingml/2006/table">
+            <a:tbl>
+              <a:tblPr>
+                <a:tableStyleId>{5C22544A-7EE6-4342-B048-85BDC9FD1C3A}</a:tableStyleId>
+              </a:tblPr>
+              <a:tblGrid>
+                <a:gridCol w="1250302">
+                  <a:extLst>
+                    <a:ext uri="{9D8B030D-6E8A-4147-A177-3AD203B41FA5}">
+                      <a16:colId xmlns:a16="http://schemas.microsoft.com/office/drawing/2014/main" val="2084546758"/>
+                    </a:ext>
+                  </a:extLst>
+                </a:gridCol>
+                <a:gridCol w="2864497">
+                  <a:extLst>
+                    <a:ext uri="{9D8B030D-6E8A-4147-A177-3AD203B41FA5}">
+                      <a16:colId xmlns:a16="http://schemas.microsoft.com/office/drawing/2014/main" val="1062764454"/>
+                    </a:ext>
+                  </a:extLst>
+                </a:gridCol>
+              </a:tblGrid>
+              <a:tr h="368823">
+                <a:tc>
+                  <a:txBody>
+                    <a:bodyPr/>
+                    <a:lstStyle/>
+                    <a:p>
+                      <a:r>
+                        <a:rPr lang="en-US" altLang="zh-CN" dirty="0"/>
+                        <a:t>0</a:t>
+                      </a:r>
+                      <a:endParaRPr lang="zh-CN" altLang="en-US" dirty="0"/>
+                    </a:p>
+                  </a:txBody>
+                  <a:tcPr/>
+                </a:tc>
+                <a:tc>
+                  <a:txBody>
+                    <a:bodyPr/>
+                    <a:lstStyle/>
+                    <a:p>
+                      <a:r>
+                        <a:rPr lang="en-US" altLang="zh-CN" dirty="0"/>
+                        <a:t>.dynamic (elf)</a:t>
+                      </a:r>
+                      <a:endParaRPr lang="zh-CN" altLang="en-US" dirty="0"/>
+                    </a:p>
+                  </a:txBody>
+                  <a:tcPr/>
+                </a:tc>
+                <a:extLst>
+                  <a:ext uri="{0D108BD9-81ED-4DB2-BD59-A6C34878D82A}">
+                    <a16:rowId xmlns:a16="http://schemas.microsoft.com/office/drawing/2014/main" val="678530256"/>
+                  </a:ext>
+                </a:extLst>
+              </a:tr>
+              <a:tr h="368823">
+                <a:tc>
+                  <a:txBody>
+                    <a:bodyPr/>
+                    <a:lstStyle/>
+                    <a:p>
+                      <a:r>
+                        <a:rPr lang="en-US" altLang="zh-CN" dirty="0"/>
+                        <a:t>1</a:t>
+                      </a:r>
+                      <a:endParaRPr lang="zh-CN" altLang="en-US" dirty="0"/>
+                    </a:p>
+                  </a:txBody>
+                  <a:tcPr/>
+                </a:tc>
+                <a:tc>
+                  <a:txBody>
+                    <a:bodyPr/>
+                    <a:lstStyle/>
+                    <a:p>
+                      <a:r>
+                        <a:rPr lang="en-US" altLang="zh-CN" dirty="0" err="1"/>
+                        <a:t>link_map</a:t>
+                      </a:r>
+                      <a:r>
+                        <a:rPr lang="en-US" altLang="zh-CN" dirty="0"/>
+                        <a:t> (</a:t>
+                      </a:r>
+                      <a:r>
+                        <a:rPr lang="en-US" altLang="zh-CN" dirty="0" err="1"/>
+                        <a:t>ld</a:t>
+                      </a:r>
+                      <a:r>
+                        <a:rPr lang="en-US" altLang="zh-CN" dirty="0"/>
+                        <a:t>)</a:t>
+                      </a:r>
+                      <a:endParaRPr lang="zh-CN" altLang="en-US" dirty="0"/>
+                    </a:p>
+                  </a:txBody>
+                  <a:tcPr/>
+                </a:tc>
+                <a:extLst>
+                  <a:ext uri="{0D108BD9-81ED-4DB2-BD59-A6C34878D82A}">
+                    <a16:rowId xmlns:a16="http://schemas.microsoft.com/office/drawing/2014/main" val="3507713377"/>
+                  </a:ext>
+                </a:extLst>
+              </a:tr>
+              <a:tr h="636599">
+                <a:tc>
+                  <a:txBody>
+                    <a:bodyPr/>
+                    <a:lstStyle/>
+                    <a:p>
+                      <a:r>
+                        <a:rPr lang="en-US" altLang="zh-CN" dirty="0"/>
+                        <a:t>2</a:t>
+                      </a:r>
+                      <a:endParaRPr lang="zh-CN" altLang="en-US" dirty="0"/>
+                    </a:p>
+                  </a:txBody>
+                  <a:tcPr/>
+                </a:tc>
+                <a:tc>
+                  <a:txBody>
+                    <a:bodyPr/>
+                    <a:lstStyle/>
+                    <a:p>
+                      <a:r>
+                        <a:rPr lang="en-US" altLang="zh-CN" dirty="0" err="1"/>
+                        <a:t>dl_runtime_resolve</a:t>
+                      </a:r>
+                      <a:endParaRPr lang="zh-CN" altLang="en-US" dirty="0"/>
+                    </a:p>
+                  </a:txBody>
+                  <a:tcPr/>
+                </a:tc>
+                <a:extLst>
+                  <a:ext uri="{0D108BD9-81ED-4DB2-BD59-A6C34878D82A}">
+                    <a16:rowId xmlns:a16="http://schemas.microsoft.com/office/drawing/2014/main" val="3789667717"/>
+                  </a:ext>
+                </a:extLst>
+              </a:tr>
+              <a:tr h="368823">
+                <a:tc>
+                  <a:txBody>
+                    <a:bodyPr/>
+                    <a:lstStyle/>
+                    <a:p>
+                      <a:r>
+                        <a:rPr lang="en-US" altLang="zh-CN" dirty="0"/>
+                        <a:t>3 (</a:t>
+                      </a:r>
+                      <a:r>
+                        <a:rPr lang="en-US" altLang="zh-CN" dirty="0" err="1"/>
+                        <a:t>atoi</a:t>
+                      </a:r>
+                      <a:r>
+                        <a:rPr lang="en-US" altLang="zh-CN" dirty="0"/>
+                        <a:t>)</a:t>
+                      </a:r>
+                      <a:endParaRPr lang="zh-CN" altLang="en-US" dirty="0"/>
+                    </a:p>
+                  </a:txBody>
+                  <a:tcPr/>
+                </a:tc>
+                <a:tc>
+                  <a:txBody>
+                    <a:bodyPr/>
+                    <a:lstStyle/>
+                    <a:p>
+                      <a:r>
+                        <a:rPr lang="en-US" altLang="zh-CN" strike="sngStrike" dirty="0" err="1"/>
+                        <a:t>atoi</a:t>
+                      </a:r>
+                      <a:r>
+                        <a:rPr lang="en-US" altLang="zh-CN" strike="sngStrike" dirty="0"/>
+                        <a:t> in </a:t>
+                      </a:r>
+                      <a:r>
+                        <a:rPr lang="en-US" altLang="zh-CN" strike="sngStrike" dirty="0" err="1"/>
+                        <a:t>libc</a:t>
+                      </a:r>
+                      <a:r>
+                        <a:rPr lang="en-US" altLang="zh-CN" strike="sngStrike" dirty="0"/>
+                        <a:t> </a:t>
+                      </a:r>
+                      <a:r>
+                        <a:rPr lang="en-US" altLang="zh-CN" strike="noStrike" dirty="0"/>
+                        <a:t>system in </a:t>
+                      </a:r>
+                      <a:r>
+                        <a:rPr lang="en-US" altLang="zh-CN" strike="noStrike" dirty="0" err="1"/>
+                        <a:t>libc</a:t>
+                      </a:r>
+                      <a:endParaRPr lang="zh-CN" altLang="en-US" strike="noStrike" dirty="0"/>
+                    </a:p>
+                  </a:txBody>
+                  <a:tcPr/>
+                </a:tc>
+                <a:extLst>
+                  <a:ext uri="{0D108BD9-81ED-4DB2-BD59-A6C34878D82A}">
+                    <a16:rowId xmlns:a16="http://schemas.microsoft.com/office/drawing/2014/main" val="1703248168"/>
+                  </a:ext>
+                </a:extLst>
+              </a:tr>
+              <a:tr h="368823">
+                <a:tc>
+                  <a:txBody>
+                    <a:bodyPr/>
+                    <a:lstStyle/>
+                    <a:p>
+                      <a:r>
+                        <a:rPr lang="en-US" altLang="zh-CN" dirty="0"/>
+                        <a:t>4 (</a:t>
+                      </a:r>
+                      <a:r>
+                        <a:rPr lang="en-US" altLang="zh-CN" dirty="0" err="1"/>
+                        <a:t>printf</a:t>
+                      </a:r>
+                      <a:r>
+                        <a:rPr lang="en-US" altLang="zh-CN" dirty="0"/>
+                        <a:t>)</a:t>
+                      </a:r>
+                      <a:endParaRPr lang="zh-CN" altLang="en-US" dirty="0"/>
+                    </a:p>
+                  </a:txBody>
+                  <a:tcPr/>
+                </a:tc>
+                <a:tc>
+                  <a:txBody>
+                    <a:bodyPr/>
+                    <a:lstStyle/>
+                    <a:p>
+                      <a:r>
+                        <a:rPr lang="en-US" altLang="zh-CN" dirty="0" err="1"/>
+                        <a:t>plt_printf</a:t>
+                      </a:r>
+                      <a:r>
+                        <a:rPr lang="en-US" altLang="zh-CN" dirty="0"/>
+                        <a:t> + 6</a:t>
+                      </a:r>
+                      <a:endParaRPr lang="zh-CN" altLang="en-US" dirty="0"/>
+                    </a:p>
+                  </a:txBody>
+                  <a:tcPr/>
+                </a:tc>
+                <a:extLst>
+                  <a:ext uri="{0D108BD9-81ED-4DB2-BD59-A6C34878D82A}">
+                    <a16:rowId xmlns:a16="http://schemas.microsoft.com/office/drawing/2014/main" val="2047848988"/>
+                  </a:ext>
+                </a:extLst>
+              </a:tr>
+              <a:tr h="368823">
+                <a:tc>
+                  <a:txBody>
+                    <a:bodyPr/>
+                    <a:lstStyle/>
+                    <a:p>
+                      <a:endParaRPr lang="zh-CN" altLang="en-US" dirty="0"/>
+                    </a:p>
+                  </a:txBody>
+                  <a:tcPr/>
+                </a:tc>
+                <a:tc>
+                  <a:txBody>
+                    <a:bodyPr/>
+                    <a:lstStyle/>
+                    <a:p>
+                      <a:endParaRPr lang="zh-CN" altLang="en-US" dirty="0"/>
+                    </a:p>
+                  </a:txBody>
+                  <a:tcPr/>
+                </a:tc>
+                <a:extLst>
+                  <a:ext uri="{0D108BD9-81ED-4DB2-BD59-A6C34878D82A}">
+                    <a16:rowId xmlns:a16="http://schemas.microsoft.com/office/drawing/2014/main" val="813420387"/>
+                  </a:ext>
+                </a:extLst>
+              </a:tr>
+            </a:tbl>
+          </a:graphicData>
+        </a:graphic>
+      </p:graphicFrame>
+      <p:sp>
+        <p:nvSpPr>
+          <p:cNvPr id="4" name="页脚占位符 3">
+            <a:extLst>
+              <a:ext uri="{FF2B5EF4-FFF2-40B4-BE49-F238E27FC236}">
+                <a16:creationId xmlns:a16="http://schemas.microsoft.com/office/drawing/2014/main" id="{C681BC85-4F4E-440B-9AB3-C6A3C9B1E29B}"/>
+              </a:ext>
+            </a:extLst>
+          </p:cNvPr>
+          <p:cNvSpPr>
+            <a:spLocks noGrp="1"/>
+          </p:cNvSpPr>
+          <p:nvPr>
+            <p:ph type="ftr" sz="quarter" idx="11"/>
+          </p:nvPr>
+        </p:nvSpPr>
+        <p:spPr/>
+        <p:txBody>
+          <a:bodyPr/>
+          <a:lstStyle/>
+          <a:p>
+            <a:r>
+              <a:rPr lang="en-US" altLang="zh-CN"/>
+              <a:t>ctf@hit.edu.cn</a:t>
+            </a:r>
+            <a:endParaRPr lang="zh-CN" altLang="en-US"/>
+          </a:p>
+        </p:txBody>
+      </p:sp>
+      <p:sp>
+        <p:nvSpPr>
+          <p:cNvPr id="5" name="灯片编号占位符 4">
+            <a:extLst>
+              <a:ext uri="{FF2B5EF4-FFF2-40B4-BE49-F238E27FC236}">
+                <a16:creationId xmlns:a16="http://schemas.microsoft.com/office/drawing/2014/main" id="{AA390A11-A204-4F20-BA8F-606524CA7CE1}"/>
+              </a:ext>
+            </a:extLst>
+          </p:cNvPr>
+          <p:cNvSpPr>
+            <a:spLocks noGrp="1"/>
+          </p:cNvSpPr>
+          <p:nvPr>
+            <p:ph type="sldNum" sz="quarter" idx="12"/>
+          </p:nvPr>
+        </p:nvSpPr>
+        <p:spPr/>
+        <p:txBody>
+          <a:bodyPr/>
+          <a:lstStyle/>
+          <a:p>
+            <a:fld id="{563FD956-B777-4B86-A348-4E3893DBD577}" type="slidenum">
+              <a:rPr lang="zh-CN" altLang="en-US" smtClean="0"/>
+              <a:t>12</a:t>
+            </a:fld>
+            <a:endParaRPr lang="zh-CN" altLang="en-US"/>
+          </a:p>
+        </p:txBody>
+      </p:sp>
+      <p:sp>
+        <p:nvSpPr>
+          <p:cNvPr id="7" name="文本框 6">
+            <a:extLst>
+              <a:ext uri="{FF2B5EF4-FFF2-40B4-BE49-F238E27FC236}">
+                <a16:creationId xmlns:a16="http://schemas.microsoft.com/office/drawing/2014/main" id="{7513224D-C2D1-4EC6-9EC6-FCC548CFE071}"/>
+              </a:ext>
+            </a:extLst>
+          </p:cNvPr>
+          <p:cNvSpPr txBox="1"/>
+          <p:nvPr/>
+        </p:nvSpPr>
+        <p:spPr>
+          <a:xfrm>
+            <a:off x="838200" y="2071397"/>
+            <a:ext cx="4176228" cy="369332"/>
+          </a:xfrm>
+          <a:prstGeom prst="rect">
+            <a:avLst/>
+          </a:prstGeom>
+          <a:noFill/>
+        </p:spPr>
+        <p:txBody>
+          <a:bodyPr wrap="square" rtlCol="0">
+            <a:spAutoFit/>
+          </a:bodyPr>
+          <a:lstStyle/>
+          <a:p>
+            <a:r>
+              <a:rPr lang="en-US" altLang="zh-CN" dirty="0"/>
+              <a:t>got</a:t>
+            </a:r>
+            <a:r>
+              <a:rPr lang="zh-CN" altLang="en-US" dirty="0"/>
+              <a:t>表</a:t>
+            </a:r>
+            <a:r>
+              <a:rPr lang="en-US" altLang="zh-CN" dirty="0"/>
+              <a:t>(.</a:t>
+            </a:r>
+            <a:r>
+              <a:rPr lang="en-US" altLang="zh-CN" dirty="0" err="1"/>
+              <a:t>got.plt</a:t>
+            </a:r>
+            <a:r>
+              <a:rPr lang="en-US" altLang="zh-CN" dirty="0"/>
+              <a:t>) 8</a:t>
+            </a:r>
+            <a:r>
+              <a:rPr lang="zh-CN" altLang="en-US" dirty="0"/>
+              <a:t>字节对齐</a:t>
+            </a:r>
+            <a:endParaRPr lang="en-US" altLang="zh-CN" dirty="0"/>
+          </a:p>
+        </p:txBody>
+      </p:sp>
+      <p:graphicFrame>
+        <p:nvGraphicFramePr>
+          <p:cNvPr id="8" name="内容占位符 5">
+            <a:extLst>
+              <a:ext uri="{FF2B5EF4-FFF2-40B4-BE49-F238E27FC236}">
+                <a16:creationId xmlns:a16="http://schemas.microsoft.com/office/drawing/2014/main" id="{C5D78EA8-0B2A-4E09-957A-41DD32170A86}"/>
+              </a:ext>
+            </a:extLst>
+          </p:cNvPr>
+          <p:cNvGraphicFramePr>
+            <a:graphicFrameLocks/>
+          </p:cNvGraphicFramePr>
+          <p:nvPr>
+            <p:extLst>
+              <p:ext uri="{D42A27DB-BD31-4B8C-83A1-F6EECF244321}">
+                <p14:modId xmlns:p14="http://schemas.microsoft.com/office/powerpoint/2010/main" val="3741333583"/>
+              </p:ext>
+            </p:extLst>
+          </p:nvPr>
+        </p:nvGraphicFramePr>
+        <p:xfrm>
+          <a:off x="6382139" y="2535453"/>
+          <a:ext cx="3745463" cy="3433103"/>
+        </p:xfrm>
+        <a:graphic>
+          <a:graphicData uri="http://schemas.openxmlformats.org/drawingml/2006/table">
+            <a:tbl>
+              <a:tblPr>
+                <a:tableStyleId>{5C22544A-7EE6-4342-B048-85BDC9FD1C3A}</a:tableStyleId>
+              </a:tblPr>
+              <a:tblGrid>
+                <a:gridCol w="1498456">
+                  <a:extLst>
+                    <a:ext uri="{9D8B030D-6E8A-4147-A177-3AD203B41FA5}">
+                      <a16:colId xmlns:a16="http://schemas.microsoft.com/office/drawing/2014/main" val="732011915"/>
+                    </a:ext>
+                  </a:extLst>
+                </a:gridCol>
+                <a:gridCol w="2247007">
+                  <a:extLst>
+                    <a:ext uri="{9D8B030D-6E8A-4147-A177-3AD203B41FA5}">
+                      <a16:colId xmlns:a16="http://schemas.microsoft.com/office/drawing/2014/main" val="2084546758"/>
+                    </a:ext>
+                  </a:extLst>
+                </a:gridCol>
+              </a:tblGrid>
+              <a:tr h="715421">
+                <a:tc>
+                  <a:txBody>
+                    <a:bodyPr/>
+                    <a:lstStyle/>
+                    <a:p>
+                      <a:r>
+                        <a:rPr lang="en-US" altLang="zh-CN" dirty="0"/>
+                        <a:t>0</a:t>
+                      </a:r>
+                      <a:endParaRPr lang="zh-CN" altLang="en-US" dirty="0"/>
+                    </a:p>
+                  </a:txBody>
+                  <a:tcPr/>
+                </a:tc>
+                <a:tc>
+                  <a:txBody>
+                    <a:bodyPr/>
+                    <a:lstStyle/>
+                    <a:p>
+                      <a:r>
+                        <a:rPr lang="en-US" altLang="zh-CN" dirty="0"/>
+                        <a:t>push got[1]</a:t>
+                      </a:r>
+                    </a:p>
+                    <a:p>
+                      <a:r>
+                        <a:rPr lang="en-US" altLang="zh-CN" dirty="0" err="1"/>
+                        <a:t>jmp</a:t>
+                      </a:r>
+                      <a:r>
+                        <a:rPr lang="en-US" altLang="zh-CN" dirty="0"/>
+                        <a:t> got[2]</a:t>
+                      </a:r>
+                      <a:endParaRPr lang="zh-CN" altLang="en-US" dirty="0"/>
+                    </a:p>
+                  </a:txBody>
+                  <a:tcPr/>
+                </a:tc>
+                <a:extLst>
+                  <a:ext uri="{0D108BD9-81ED-4DB2-BD59-A6C34878D82A}">
+                    <a16:rowId xmlns:a16="http://schemas.microsoft.com/office/drawing/2014/main" val="678530256"/>
+                  </a:ext>
+                </a:extLst>
+              </a:tr>
+              <a:tr h="1087861">
+                <a:tc>
+                  <a:txBody>
+                    <a:bodyPr/>
+                    <a:lstStyle/>
+                    <a:p>
+                      <a:r>
+                        <a:rPr lang="en-US" altLang="zh-CN" dirty="0"/>
+                        <a:t>1 (</a:t>
+                      </a:r>
+                      <a:r>
+                        <a:rPr lang="en-US" altLang="zh-CN" dirty="0" err="1"/>
+                        <a:t>atoi</a:t>
+                      </a:r>
+                      <a:r>
+                        <a:rPr lang="en-US" altLang="zh-CN" dirty="0"/>
+                        <a:t>)</a:t>
+                      </a:r>
+                      <a:endParaRPr lang="zh-CN" altLang="en-US" dirty="0"/>
+                    </a:p>
+                  </a:txBody>
+                  <a:tcPr/>
+                </a:tc>
+                <a:tc>
+                  <a:txBody>
+                    <a:bodyPr/>
+                    <a:lstStyle/>
+                    <a:p>
+                      <a:r>
+                        <a:rPr lang="en-US" altLang="zh-CN" dirty="0"/>
+                        <a:t>00: </a:t>
+                      </a:r>
+                      <a:r>
+                        <a:rPr lang="en-US" altLang="zh-CN" dirty="0" err="1"/>
+                        <a:t>jmp</a:t>
+                      </a:r>
+                      <a:r>
+                        <a:rPr lang="en-US" altLang="zh-CN" dirty="0"/>
+                        <a:t> got[3]</a:t>
+                      </a:r>
+                    </a:p>
+                    <a:p>
+                      <a:r>
+                        <a:rPr lang="en-US" altLang="zh-CN" dirty="0"/>
+                        <a:t>06: push 0</a:t>
+                      </a:r>
+                    </a:p>
+                    <a:p>
+                      <a:r>
+                        <a:rPr lang="en-US" altLang="zh-CN" dirty="0"/>
+                        <a:t>0b: </a:t>
+                      </a:r>
+                      <a:r>
+                        <a:rPr lang="en-US" altLang="zh-CN" dirty="0" err="1"/>
+                        <a:t>jmp</a:t>
+                      </a:r>
+                      <a:r>
+                        <a:rPr lang="en-US" altLang="zh-CN" dirty="0"/>
+                        <a:t> </a:t>
+                      </a:r>
+                      <a:r>
+                        <a:rPr lang="en-US" altLang="zh-CN" dirty="0" err="1"/>
+                        <a:t>plt</a:t>
+                      </a:r>
+                      <a:r>
+                        <a:rPr lang="en-US" altLang="zh-CN" dirty="0"/>
+                        <a:t>[0]</a:t>
+                      </a:r>
+                      <a:endParaRPr lang="zh-CN" altLang="en-US" dirty="0"/>
+                    </a:p>
+                  </a:txBody>
+                  <a:tcPr/>
+                </a:tc>
+                <a:extLst>
+                  <a:ext uri="{0D108BD9-81ED-4DB2-BD59-A6C34878D82A}">
+                    <a16:rowId xmlns:a16="http://schemas.microsoft.com/office/drawing/2014/main" val="3507713377"/>
+                  </a:ext>
+                </a:extLst>
+              </a:tr>
+              <a:tr h="715421">
+                <a:tc>
+                  <a:txBody>
+                    <a:bodyPr/>
+                    <a:lstStyle/>
+                    <a:p>
+                      <a:r>
+                        <a:rPr lang="en-US" altLang="zh-CN" dirty="0"/>
+                        <a:t>2 (</a:t>
+                      </a:r>
+                      <a:r>
+                        <a:rPr lang="en-US" altLang="zh-CN" dirty="0" err="1"/>
+                        <a:t>printf</a:t>
+                      </a:r>
+                      <a:r>
+                        <a:rPr lang="en-US" altLang="zh-CN" dirty="0"/>
+                        <a:t>)</a:t>
+                      </a:r>
+                      <a:endParaRPr lang="zh-CN" altLang="en-US" dirty="0"/>
+                    </a:p>
+                  </a:txBody>
+                  <a:tcPr/>
+                </a:tc>
+                <a:tc>
+                  <a:txBody>
+                    <a:bodyPr/>
+                    <a:lstStyle/>
+                    <a:p>
+                      <a:r>
+                        <a:rPr lang="en-US" altLang="zh-CN" dirty="0"/>
+                        <a:t>00: </a:t>
+                      </a:r>
+                      <a:r>
+                        <a:rPr lang="en-US" altLang="zh-CN" dirty="0" err="1"/>
+                        <a:t>jmp</a:t>
+                      </a:r>
+                      <a:r>
+                        <a:rPr lang="en-US" altLang="zh-CN" dirty="0"/>
+                        <a:t> got[4]</a:t>
+                      </a:r>
+                    </a:p>
+                    <a:p>
+                      <a:r>
+                        <a:rPr lang="en-US" altLang="zh-CN" dirty="0"/>
+                        <a:t>06: push 1</a:t>
+                      </a:r>
+                    </a:p>
+                    <a:p>
+                      <a:r>
+                        <a:rPr lang="en-US" altLang="zh-CN" dirty="0"/>
+                        <a:t>0b: </a:t>
+                      </a:r>
+                      <a:r>
+                        <a:rPr lang="en-US" altLang="zh-CN" dirty="0" err="1"/>
+                        <a:t>jmp</a:t>
+                      </a:r>
+                      <a:r>
+                        <a:rPr lang="en-US" altLang="zh-CN" dirty="0"/>
+                        <a:t> </a:t>
+                      </a:r>
+                      <a:r>
+                        <a:rPr lang="en-US" altLang="zh-CN" dirty="0" err="1"/>
+                        <a:t>plt</a:t>
+                      </a:r>
+                      <a:r>
+                        <a:rPr lang="en-US" altLang="zh-CN" dirty="0"/>
+                        <a:t>[0]</a:t>
+                      </a:r>
+                      <a:endParaRPr lang="zh-CN" altLang="en-US" dirty="0"/>
+                    </a:p>
+                  </a:txBody>
+                  <a:tcPr/>
+                </a:tc>
+                <a:extLst>
+                  <a:ext uri="{0D108BD9-81ED-4DB2-BD59-A6C34878D82A}">
+                    <a16:rowId xmlns:a16="http://schemas.microsoft.com/office/drawing/2014/main" val="3789667717"/>
+                  </a:ext>
+                </a:extLst>
+              </a:tr>
+              <a:tr h="715421">
+                <a:tc>
+                  <a:txBody>
+                    <a:bodyPr/>
+                    <a:lstStyle/>
+                    <a:p>
+                      <a:r>
+                        <a:rPr lang="en-US" altLang="zh-CN" dirty="0"/>
+                        <a:t>3</a:t>
+                      </a:r>
+                      <a:endParaRPr lang="zh-CN" altLang="en-US" dirty="0"/>
+                    </a:p>
+                  </a:txBody>
+                  <a:tcPr/>
+                </a:tc>
+                <a:tc>
+                  <a:txBody>
+                    <a:bodyPr/>
+                    <a:lstStyle/>
+                    <a:p>
+                      <a:endParaRPr lang="zh-CN" altLang="en-US" dirty="0"/>
+                    </a:p>
+                  </a:txBody>
+                  <a:tcPr/>
+                </a:tc>
+                <a:extLst>
+                  <a:ext uri="{0D108BD9-81ED-4DB2-BD59-A6C34878D82A}">
+                    <a16:rowId xmlns:a16="http://schemas.microsoft.com/office/drawing/2014/main" val="1703248168"/>
+                  </a:ext>
+                </a:extLst>
+              </a:tr>
+            </a:tbl>
+          </a:graphicData>
+        </a:graphic>
+      </p:graphicFrame>
+      <p:sp>
+        <p:nvSpPr>
+          <p:cNvPr id="9" name="文本框 8">
+            <a:extLst>
+              <a:ext uri="{FF2B5EF4-FFF2-40B4-BE49-F238E27FC236}">
+                <a16:creationId xmlns:a16="http://schemas.microsoft.com/office/drawing/2014/main" id="{42DF4554-2932-4BEF-AAEF-578FF90FB98D}"/>
+              </a:ext>
+            </a:extLst>
+          </p:cNvPr>
+          <p:cNvSpPr txBox="1"/>
+          <p:nvPr/>
+        </p:nvSpPr>
+        <p:spPr>
+          <a:xfrm>
+            <a:off x="7037614" y="2071397"/>
+            <a:ext cx="3944517" cy="369332"/>
+          </a:xfrm>
+          <a:prstGeom prst="rect">
+            <a:avLst/>
+          </a:prstGeom>
+          <a:noFill/>
+        </p:spPr>
+        <p:txBody>
+          <a:bodyPr wrap="square" rtlCol="0">
+            <a:spAutoFit/>
+          </a:bodyPr>
+          <a:lstStyle/>
+          <a:p>
+            <a:r>
+              <a:rPr lang="en-US" altLang="zh-CN" dirty="0" err="1"/>
+              <a:t>plt</a:t>
+            </a:r>
+            <a:r>
+              <a:rPr lang="zh-CN" altLang="en-US" dirty="0"/>
+              <a:t>表</a:t>
+            </a:r>
+            <a:r>
+              <a:rPr lang="en-US" altLang="zh-CN" dirty="0"/>
+              <a:t>(.</a:t>
+            </a:r>
+            <a:r>
+              <a:rPr lang="en-US" altLang="zh-CN" dirty="0" err="1"/>
+              <a:t>plt</a:t>
+            </a:r>
+            <a:r>
+              <a:rPr lang="en-US" altLang="zh-CN" dirty="0"/>
+              <a:t>) </a:t>
+            </a:r>
+            <a:r>
+              <a:rPr lang="zh-CN" altLang="en-US" dirty="0"/>
+              <a:t>代码段</a:t>
+            </a:r>
+            <a:r>
+              <a:rPr lang="en-US" altLang="zh-CN" dirty="0"/>
+              <a:t>, 0x20</a:t>
+            </a:r>
+            <a:r>
+              <a:rPr lang="zh-CN" altLang="en-US" dirty="0"/>
+              <a:t>对齐</a:t>
+            </a:r>
+            <a:endParaRPr lang="en-US" altLang="zh-CN" dirty="0"/>
+          </a:p>
+        </p:txBody>
+      </p:sp>
+    </p:spTree>
+    <p:extLst>
+      <p:ext uri="{BB962C8B-B14F-4D97-AF65-F5344CB8AC3E}">
+        <p14:creationId xmlns:p14="http://schemas.microsoft.com/office/powerpoint/2010/main" val="878224619"/>
+      </p:ext>
+    </p:extLst>
+  </p:cSld>
+  <p:clrMapOvr>
+    <a:masterClrMapping/>
+  </p:clrMapOvr>
+</p:sld>
+</file>
+
+<file path=ppt/slides/slide13.xml><?xml version="1.0" encoding="utf-8"?>
+<p:sld xmlns:a="http://schemas.openxmlformats.org/drawingml/2006/main" xmlns:r="http://schemas.openxmlformats.org/officeDocument/2006/relationships" xmlns:p="http://schemas.openxmlformats.org/presentationml/2006/main">
+  <p:cSld>
+    <p:spTree>
+      <p:nvGrpSpPr>
+        <p:cNvPr id="1" name=""/>
+        <p:cNvGrpSpPr/>
+        <p:nvPr/>
+      </p:nvGrpSpPr>
+      <p:grpSpPr>
+        <a:xfrm>
+          <a:off x="0" y="0"/>
+          <a:ext cx="0" cy="0"/>
+          <a:chOff x="0" y="0"/>
+          <a:chExt cx="0" cy="0"/>
+        </a:xfrm>
+      </p:grpSpPr>
+      <p:sp>
+        <p:nvSpPr>
+          <p:cNvPr id="2" name="标题 1">
+            <a:extLst>
+              <a:ext uri="{FF2B5EF4-FFF2-40B4-BE49-F238E27FC236}">
+                <a16:creationId xmlns:a16="http://schemas.microsoft.com/office/drawing/2014/main" id="{7279EF71-3CE7-4C3C-AB8C-B887B20ACA28}"/>
+              </a:ext>
+            </a:extLst>
+          </p:cNvPr>
+          <p:cNvSpPr>
+            <a:spLocks noGrp="1"/>
+          </p:cNvSpPr>
+          <p:nvPr>
+            <p:ph type="title"/>
+          </p:nvPr>
+        </p:nvSpPr>
+        <p:spPr>
+          <a:xfrm>
+            <a:off x="838200" y="365125"/>
+            <a:ext cx="10515600" cy="913169"/>
+          </a:xfrm>
+        </p:spPr>
+        <p:txBody>
+          <a:bodyPr/>
+          <a:lstStyle/>
+          <a:p>
+            <a:r>
+              <a:rPr lang="zh-CN" altLang="en-US" dirty="0"/>
+              <a:t>通过</a:t>
+            </a:r>
+            <a:r>
+              <a:rPr lang="en-US" altLang="zh-CN" dirty="0" err="1"/>
+              <a:t>libc</a:t>
+            </a:r>
+            <a:r>
+              <a:rPr lang="zh-CN" altLang="en-US" dirty="0"/>
+              <a:t>中函数地址确定</a:t>
+            </a:r>
+            <a:r>
+              <a:rPr lang="en-US" altLang="zh-CN" dirty="0" err="1"/>
+              <a:t>libc</a:t>
+            </a:r>
+            <a:r>
+              <a:rPr lang="en-US" altLang="zh-CN" dirty="0"/>
+              <a:t> </a:t>
+            </a:r>
+            <a:r>
+              <a:rPr lang="zh-CN" altLang="en-US" dirty="0"/>
+              <a:t>版本</a:t>
+            </a:r>
+          </a:p>
+        </p:txBody>
+      </p:sp>
+      <p:sp>
+        <p:nvSpPr>
+          <p:cNvPr id="3" name="内容占位符 2">
+            <a:extLst>
+              <a:ext uri="{FF2B5EF4-FFF2-40B4-BE49-F238E27FC236}">
+                <a16:creationId xmlns:a16="http://schemas.microsoft.com/office/drawing/2014/main" id="{04AA2C36-B0FF-41ED-9D86-224FA53FD3D1}"/>
+              </a:ext>
+            </a:extLst>
+          </p:cNvPr>
+          <p:cNvSpPr>
+            <a:spLocks noGrp="1"/>
+          </p:cNvSpPr>
+          <p:nvPr>
+            <p:ph idx="1"/>
+          </p:nvPr>
+        </p:nvSpPr>
+        <p:spPr>
+          <a:xfrm>
+            <a:off x="838200" y="1278294"/>
+            <a:ext cx="10515600" cy="4898669"/>
+          </a:xfrm>
+        </p:spPr>
+        <p:txBody>
+          <a:bodyPr/>
+          <a:lstStyle/>
+          <a:p>
+            <a:r>
+              <a:rPr lang="en-US" altLang="zh-CN" dirty="0" err="1"/>
+              <a:t>libc</a:t>
+            </a:r>
+            <a:r>
+              <a:rPr lang="zh-CN" altLang="en-US" dirty="0"/>
+              <a:t>随机映射到内存中</a:t>
+            </a:r>
+            <a:endParaRPr lang="en-US" altLang="zh-CN" dirty="0"/>
+          </a:p>
+          <a:p>
+            <a:r>
+              <a:rPr lang="zh-CN" altLang="en-US" dirty="0"/>
+              <a:t>按页</a:t>
+            </a:r>
+            <a:r>
+              <a:rPr lang="en-US" altLang="zh-CN" dirty="0"/>
+              <a:t>(4KB, 12bit) </a:t>
+            </a:r>
+            <a:r>
+              <a:rPr lang="zh-CN" altLang="en-US" dirty="0"/>
+              <a:t>对齐</a:t>
+            </a:r>
+            <a:endParaRPr lang="en-US" altLang="zh-CN" dirty="0"/>
+          </a:p>
+          <a:p>
+            <a:r>
+              <a:rPr lang="zh-CN" altLang="en-US" dirty="0"/>
+              <a:t>不同</a:t>
+            </a:r>
+            <a:r>
+              <a:rPr lang="en-US" altLang="zh-CN" dirty="0" err="1"/>
+              <a:t>libc</a:t>
+            </a:r>
+            <a:r>
+              <a:rPr lang="zh-CN" altLang="en-US" dirty="0"/>
+              <a:t>版本的函数地址不同</a:t>
+            </a:r>
+            <a:endParaRPr lang="en-US" altLang="zh-CN" dirty="0"/>
+          </a:p>
+          <a:p>
+            <a:r>
+              <a:rPr lang="en-US" altLang="zh-CN" dirty="0" err="1"/>
+              <a:t>libc</a:t>
+            </a:r>
+            <a:r>
+              <a:rPr lang="en-US" altLang="zh-CN" dirty="0"/>
+              <a:t>-database, </a:t>
+            </a:r>
+            <a:r>
+              <a:rPr lang="zh-CN" altLang="en-US" dirty="0"/>
+              <a:t>存储多个版本的</a:t>
+            </a:r>
+            <a:r>
+              <a:rPr lang="en-US" altLang="zh-CN" dirty="0" err="1"/>
+              <a:t>libc</a:t>
+            </a:r>
+            <a:r>
+              <a:rPr lang="zh-CN" altLang="en-US" dirty="0"/>
+              <a:t>中函数的低</a:t>
+            </a:r>
+            <a:r>
+              <a:rPr lang="en-US" altLang="zh-CN" dirty="0"/>
+              <a:t>12bit</a:t>
+            </a:r>
+          </a:p>
+          <a:p>
+            <a:r>
+              <a:rPr lang="en-US" altLang="zh-CN" dirty="0" err="1"/>
+              <a:t>puts_addr</a:t>
+            </a:r>
+            <a:r>
+              <a:rPr lang="en-US" altLang="zh-CN" dirty="0"/>
+              <a:t> : 0x7ffff7a83</a:t>
+            </a:r>
+            <a:r>
+              <a:rPr lang="en-US" altLang="zh-CN" dirty="0">
+                <a:solidFill>
+                  <a:srgbClr val="FF0000"/>
+                </a:solidFill>
+              </a:rPr>
+              <a:t>6b0</a:t>
+            </a:r>
+            <a:r>
+              <a:rPr lang="en-US" altLang="zh-CN" dirty="0"/>
+              <a:t>  </a:t>
+            </a:r>
+            <a:r>
+              <a:rPr lang="en-US" altLang="zh-CN" dirty="0" err="1"/>
+              <a:t>atoi_addr</a:t>
+            </a:r>
+            <a:r>
+              <a:rPr lang="en-US" altLang="zh-CN" dirty="0"/>
+              <a:t> : 0x7ffff7a83</a:t>
+            </a:r>
+            <a:r>
+              <a:rPr lang="en-US" altLang="zh-CN" dirty="0">
+                <a:solidFill>
+                  <a:srgbClr val="FF0000"/>
+                </a:solidFill>
+              </a:rPr>
+              <a:t>ac0</a:t>
+            </a:r>
+            <a:endParaRPr lang="en-US" altLang="zh-CN" dirty="0"/>
+          </a:p>
+          <a:p>
+            <a:r>
+              <a:rPr lang="en-US" altLang="zh-CN" dirty="0">
+                <a:hlinkClick r:id="rId2"/>
+              </a:rPr>
+              <a:t>https://github.com/niklasb/libc-database</a:t>
+            </a:r>
+            <a:r>
+              <a:rPr lang="en-US" altLang="zh-CN" dirty="0"/>
+              <a:t> </a:t>
+            </a:r>
+          </a:p>
+        </p:txBody>
+      </p:sp>
+      <p:sp>
+        <p:nvSpPr>
+          <p:cNvPr id="4" name="页脚占位符 3">
+            <a:extLst>
+              <a:ext uri="{FF2B5EF4-FFF2-40B4-BE49-F238E27FC236}">
+                <a16:creationId xmlns:a16="http://schemas.microsoft.com/office/drawing/2014/main" id="{82E9F4B9-A3A2-4820-8151-394BB5BCE2B4}"/>
+              </a:ext>
+            </a:extLst>
+          </p:cNvPr>
+          <p:cNvSpPr>
+            <a:spLocks noGrp="1"/>
+          </p:cNvSpPr>
+          <p:nvPr>
+            <p:ph type="ftr" sz="quarter" idx="11"/>
+          </p:nvPr>
+        </p:nvSpPr>
+        <p:spPr/>
+        <p:txBody>
+          <a:bodyPr/>
+          <a:lstStyle/>
+          <a:p>
+            <a:r>
+              <a:rPr lang="en-US" altLang="zh-CN"/>
+              <a:t>ctf@hit.edu.cn</a:t>
+            </a:r>
+            <a:endParaRPr lang="zh-CN" altLang="en-US"/>
+          </a:p>
+        </p:txBody>
+      </p:sp>
+      <p:sp>
+        <p:nvSpPr>
+          <p:cNvPr id="5" name="灯片编号占位符 4">
+            <a:extLst>
+              <a:ext uri="{FF2B5EF4-FFF2-40B4-BE49-F238E27FC236}">
+                <a16:creationId xmlns:a16="http://schemas.microsoft.com/office/drawing/2014/main" id="{38E7086D-DF0A-4957-BFF1-F84C1FE92DF3}"/>
+              </a:ext>
+            </a:extLst>
+          </p:cNvPr>
+          <p:cNvSpPr>
+            <a:spLocks noGrp="1"/>
+          </p:cNvSpPr>
+          <p:nvPr>
+            <p:ph type="sldNum" sz="quarter" idx="12"/>
+          </p:nvPr>
+        </p:nvSpPr>
+        <p:spPr/>
+        <p:txBody>
+          <a:bodyPr/>
+          <a:lstStyle/>
+          <a:p>
+            <a:fld id="{563FD956-B777-4B86-A348-4E3893DBD577}" type="slidenum">
+              <a:rPr lang="zh-CN" altLang="en-US" smtClean="0"/>
+              <a:t>13</a:t>
+            </a:fld>
+            <a:endParaRPr lang="zh-CN" altLang="en-US"/>
+          </a:p>
+        </p:txBody>
+      </p:sp>
+      <p:pic>
+        <p:nvPicPr>
+          <p:cNvPr id="6" name="图片 5">
+            <a:extLst>
+              <a:ext uri="{FF2B5EF4-FFF2-40B4-BE49-F238E27FC236}">
+                <a16:creationId xmlns:a16="http://schemas.microsoft.com/office/drawing/2014/main" id="{21CCD4D2-3C95-46F8-A7D1-41FDF02851DB}"/>
+              </a:ext>
+            </a:extLst>
+          </p:cNvPr>
+          <p:cNvPicPr>
+            <a:picLocks noChangeAspect="1"/>
+          </p:cNvPicPr>
+          <p:nvPr/>
+        </p:nvPicPr>
+        <p:blipFill>
+          <a:blip r:embed="rId3"/>
+          <a:stretch>
+            <a:fillRect/>
+          </a:stretch>
+        </p:blipFill>
+        <p:spPr>
+          <a:xfrm>
+            <a:off x="838200" y="4716263"/>
+            <a:ext cx="9933333" cy="1142857"/>
+          </a:xfrm>
+          <a:prstGeom prst="rect">
+            <a:avLst/>
+          </a:prstGeom>
+        </p:spPr>
+      </p:pic>
+    </p:spTree>
+    <p:extLst>
+      <p:ext uri="{BB962C8B-B14F-4D97-AF65-F5344CB8AC3E}">
+        <p14:creationId xmlns:p14="http://schemas.microsoft.com/office/powerpoint/2010/main" val="3889667382"/>
+      </p:ext>
+    </p:extLst>
+  </p:cSld>
+  <p:clrMapOvr>
+    <a:masterClrMapping/>
+  </p:clrMapOvr>
+</p:sld>
+</file>
+
+<file path=ppt/slides/slide14.xml><?xml version="1.0" encoding="utf-8"?>
+<p:sld xmlns:a="http://schemas.openxmlformats.org/drawingml/2006/main" xmlns:r="http://schemas.openxmlformats.org/officeDocument/2006/relationships" xmlns:p="http://schemas.openxmlformats.org/presentationml/2006/main">
+  <p:cSld>
+    <p:spTree>
+      <p:nvGrpSpPr>
+        <p:cNvPr id="1" name=""/>
+        <p:cNvGrpSpPr/>
+        <p:nvPr/>
+      </p:nvGrpSpPr>
+      <p:grpSpPr>
+        <a:xfrm>
+          <a:off x="0" y="0"/>
+          <a:ext cx="0" cy="0"/>
+          <a:chOff x="0" y="0"/>
+          <a:chExt cx="0" cy="0"/>
+        </a:xfrm>
+      </p:grpSpPr>
+      <p:sp>
+        <p:nvSpPr>
+          <p:cNvPr id="2" name="标题 1">
+            <a:extLst>
+              <a:ext uri="{FF2B5EF4-FFF2-40B4-BE49-F238E27FC236}">
+                <a16:creationId xmlns:a16="http://schemas.microsoft.com/office/drawing/2014/main" id="{1ED10A70-9DED-41F9-A621-FFF7A9398DF2}"/>
+              </a:ext>
+            </a:extLst>
+          </p:cNvPr>
+          <p:cNvSpPr>
+            <a:spLocks noGrp="1"/>
+          </p:cNvSpPr>
+          <p:nvPr>
+            <p:ph type="title"/>
+          </p:nvPr>
+        </p:nvSpPr>
+        <p:spPr>
+          <a:xfrm>
+            <a:off x="838200" y="365126"/>
+            <a:ext cx="10515600" cy="997144"/>
+          </a:xfrm>
+        </p:spPr>
+        <p:txBody>
+          <a:bodyPr/>
+          <a:lstStyle/>
+          <a:p>
+            <a:r>
+              <a:rPr lang="en-US" altLang="zh-CN" dirty="0"/>
+              <a:t>FULLRELRO</a:t>
+            </a:r>
+            <a:endParaRPr lang="zh-CN" altLang="en-US" dirty="0"/>
+          </a:p>
+        </p:txBody>
+      </p:sp>
+      <p:sp>
+        <p:nvSpPr>
+          <p:cNvPr id="3" name="内容占位符 2">
+            <a:extLst>
+              <a:ext uri="{FF2B5EF4-FFF2-40B4-BE49-F238E27FC236}">
+                <a16:creationId xmlns:a16="http://schemas.microsoft.com/office/drawing/2014/main" id="{237CB7ED-977C-48F2-9C59-06D2BF2EA46A}"/>
+              </a:ext>
+            </a:extLst>
+          </p:cNvPr>
+          <p:cNvSpPr>
+            <a:spLocks noGrp="1"/>
+          </p:cNvSpPr>
+          <p:nvPr>
+            <p:ph idx="1"/>
+          </p:nvPr>
+        </p:nvSpPr>
+        <p:spPr>
+          <a:xfrm>
+            <a:off x="838200" y="1436914"/>
+            <a:ext cx="10515600" cy="4740049"/>
+          </a:xfrm>
+        </p:spPr>
+        <p:txBody>
+          <a:bodyPr/>
+          <a:lstStyle/>
+          <a:p>
+            <a:r>
+              <a:rPr lang="en-US" altLang="zh-CN" dirty="0"/>
+              <a:t>got</a:t>
+            </a:r>
+            <a:r>
+              <a:rPr lang="zh-CN" altLang="en-US" dirty="0"/>
+              <a:t>表中的内容在函数开始时就计算完毕 </a:t>
+            </a:r>
+            <a:r>
+              <a:rPr lang="en-US" altLang="zh-CN" dirty="0"/>
+              <a:t>ld.so lazy-binding</a:t>
+            </a:r>
+          </a:p>
+          <a:p>
+            <a:r>
+              <a:rPr lang="en-US" altLang="zh-CN" dirty="0"/>
+              <a:t>got</a:t>
+            </a:r>
+            <a:r>
+              <a:rPr lang="zh-CN" altLang="en-US" dirty="0"/>
+              <a:t>表不可写</a:t>
+            </a:r>
+            <a:endParaRPr lang="en-US" altLang="zh-CN" dirty="0"/>
+          </a:p>
+          <a:p>
+            <a:r>
+              <a:rPr lang="en-US" altLang="zh-CN" dirty="0" err="1"/>
+              <a:t>gcc</a:t>
+            </a:r>
+            <a:r>
+              <a:rPr lang="en-US" altLang="zh-CN" dirty="0"/>
+              <a:t> -z now -no-pie dl1.c -o dl1_relro</a:t>
+            </a:r>
+          </a:p>
+          <a:p>
+            <a:r>
+              <a:rPr lang="en-US" altLang="zh-CN" dirty="0"/>
+              <a:t>relocation read only</a:t>
+            </a:r>
+          </a:p>
+        </p:txBody>
+      </p:sp>
+      <p:sp>
+        <p:nvSpPr>
+          <p:cNvPr id="4" name="页脚占位符 3">
+            <a:extLst>
+              <a:ext uri="{FF2B5EF4-FFF2-40B4-BE49-F238E27FC236}">
+                <a16:creationId xmlns:a16="http://schemas.microsoft.com/office/drawing/2014/main" id="{13EF40A7-A803-467E-A60B-28FD58BDF44D}"/>
+              </a:ext>
+            </a:extLst>
+          </p:cNvPr>
+          <p:cNvSpPr>
+            <a:spLocks noGrp="1"/>
+          </p:cNvSpPr>
+          <p:nvPr>
+            <p:ph type="ftr" sz="quarter" idx="11"/>
+          </p:nvPr>
+        </p:nvSpPr>
+        <p:spPr/>
+        <p:txBody>
+          <a:bodyPr/>
+          <a:lstStyle/>
+          <a:p>
+            <a:r>
+              <a:rPr lang="en-US" altLang="zh-CN"/>
+              <a:t>ctf@hit.edu.cn</a:t>
+            </a:r>
+            <a:endParaRPr lang="zh-CN" altLang="en-US"/>
+          </a:p>
+        </p:txBody>
+      </p:sp>
+      <p:sp>
+        <p:nvSpPr>
+          <p:cNvPr id="5" name="灯片编号占位符 4">
+            <a:extLst>
+              <a:ext uri="{FF2B5EF4-FFF2-40B4-BE49-F238E27FC236}">
+                <a16:creationId xmlns:a16="http://schemas.microsoft.com/office/drawing/2014/main" id="{7B71DB96-F00D-4590-B1B7-24E58AD98DC2}"/>
+              </a:ext>
+            </a:extLst>
+          </p:cNvPr>
+          <p:cNvSpPr>
+            <a:spLocks noGrp="1"/>
+          </p:cNvSpPr>
+          <p:nvPr>
+            <p:ph type="sldNum" sz="quarter" idx="12"/>
+          </p:nvPr>
+        </p:nvSpPr>
+        <p:spPr/>
+        <p:txBody>
+          <a:bodyPr/>
+          <a:lstStyle/>
+          <a:p>
+            <a:fld id="{563FD956-B777-4B86-A348-4E3893DBD577}" type="slidenum">
+              <a:rPr lang="zh-CN" altLang="en-US" smtClean="0"/>
+              <a:t>14</a:t>
             </a:fld>
             <a:endParaRPr lang="zh-CN" altLang="en-US"/>
           </a:p>
@@ -4377,7 +5718,7 @@
 </p:sld>
 </file>
 
-<file path=ppt/slides/slide12.xml><?xml version="1.0" encoding="utf-8"?>
+<file path=ppt/slides/slide15.xml><?xml version="1.0" encoding="utf-8"?>
 <p:sld xmlns:a="http://schemas.openxmlformats.org/drawingml/2006/main" xmlns:r="http://schemas.openxmlformats.org/officeDocument/2006/relationships" xmlns:p="http://schemas.openxmlformats.org/presentationml/2006/main">
   <p:cSld>
     <p:spTree>
@@ -4525,7 +5866,7 @@
           <a:p>
             <a:fld id="{563FD956-B777-4B86-A348-4E3893DBD577}" type="slidenum">
               <a:rPr lang="zh-CN" altLang="en-US" smtClean="0"/>
-              <a:t>12</a:t>
+              <a:t>15</a:t>
             </a:fld>
             <a:endParaRPr lang="zh-CN" altLang="en-US"/>
           </a:p>
@@ -4700,6 +6041,48 @@
           <a:p>
             <a:r>
               <a:rPr lang="zh-CN" altLang="en-US" dirty="0"/>
+              <a:t>利用</a:t>
+            </a:r>
+            <a:r>
+              <a:rPr lang="en-US" altLang="zh-CN" dirty="0" err="1"/>
+              <a:t>libc</a:t>
+            </a:r>
+            <a:r>
+              <a:rPr lang="zh-CN" altLang="en-US" dirty="0"/>
+              <a:t>中函数地址</a:t>
+            </a:r>
+            <a:r>
+              <a:rPr lang="en-US" altLang="zh-CN" dirty="0"/>
+              <a:t>leak </a:t>
+            </a:r>
+            <a:r>
+              <a:rPr lang="en-US" altLang="zh-CN" dirty="0" err="1"/>
+              <a:t>libc</a:t>
+            </a:r>
+            <a:r>
+              <a:rPr lang="en-US" altLang="zh-CN" dirty="0"/>
+              <a:t> </a:t>
+            </a:r>
+            <a:r>
+              <a:rPr lang="zh-CN" altLang="en-US" dirty="0"/>
+              <a:t>版本</a:t>
+            </a:r>
+            <a:endParaRPr lang="en-US" altLang="zh-CN" dirty="0"/>
+          </a:p>
+          <a:p>
+            <a:pPr lvl="1"/>
+            <a:r>
+              <a:rPr lang="en-US" altLang="zh-CN" dirty="0" err="1"/>
+              <a:t>libc</a:t>
+            </a:r>
+            <a:r>
+              <a:rPr lang="en-US" altLang="zh-CN" dirty="0"/>
+              <a:t>-database</a:t>
+            </a:r>
+          </a:p>
+          <a:p>
+            <a:r>
+              <a:rPr lang="zh-CN" altLang="en-US" dirty="0"/>
               <a:t>防御措施</a:t>
             </a:r>
           </a:p>
@@ -4809,7 +6192,12 @@
             <p:ph type="title"/>
           </p:nvPr>
         </p:nvSpPr>
-        <p:spPr/>
+        <p:spPr>
+          <a:xfrm>
+            <a:off x="838200" y="365125"/>
+            <a:ext cx="10515600" cy="950491"/>
+          </a:xfrm>
+        </p:spPr>
         <p:txBody>
           <a:bodyPr/>
           <a:lstStyle/>
@@ -4876,7 +6264,7 @@
           <a:p>
             <a:r>
               <a:rPr lang="zh-CN" altLang="en-US" dirty="0"/>
-              <a:t>函数实现在共享库中</a:t>
+              <a:t>函数实现在共享库中 </a:t>
             </a:r>
             <a:endParaRPr lang="en-US" altLang="zh-CN" dirty="0"/>
           </a:p>
@@ -5294,7 +6682,7 @@
             <p:ph idx="1"/>
             <p:extLst>
               <p:ext uri="{D42A27DB-BD31-4B8C-83A1-F6EECF244321}">
-                <p14:modId xmlns:p14="http://schemas.microsoft.com/office/powerpoint/2010/main" val="1349127036"/>
+                <p14:modId xmlns:p14="http://schemas.microsoft.com/office/powerpoint/2010/main" val="1166547438"/>
               </p:ext>
             </p:extLst>
           </p:nvPr>
@@ -5331,7 +6719,14 @@
                       <a:endParaRPr lang="zh-CN" altLang="en-US" dirty="0"/>
                     </a:p>
                   </a:txBody>
-                  <a:tcPr/>
+                  <a:tcPr>
+                    <a:solidFill>
+                      <a:schemeClr val="bg1">
+                        <a:lumMod val="50000"/>
+                        <a:lumOff val="50000"/>
+                      </a:schemeClr>
+                    </a:solidFill>
+                  </a:tcPr>
                 </a:tc>
                 <a:extLst>
                   <a:ext uri="{0D108BD9-81ED-4DB2-BD59-A6C34878D82A}">
@@ -5395,7 +6790,11 @@
                       <a:endParaRPr lang="zh-CN" altLang="en-US" dirty="0"/>
                     </a:p>
                   </a:txBody>
-                  <a:tcPr/>
+                  <a:tcPr>
+                    <a:solidFill>
+                      <a:schemeClr val="accent5"/>
+                    </a:solidFill>
+                  </a:tcPr>
                 </a:tc>
                 <a:extLst>
                   <a:ext uri="{0D108BD9-81ED-4DB2-BD59-A6C34878D82A}">
@@ -5437,7 +6836,11 @@
                       <a:endParaRPr lang="zh-CN" altLang="en-US" dirty="0"/>
                     </a:p>
                   </a:txBody>
-                  <a:tcPr/>
+                  <a:tcPr>
+                    <a:solidFill>
+                      <a:schemeClr val="accent2"/>
+                    </a:solidFill>
+                  </a:tcPr>
                 </a:tc>
                 <a:extLst>
                   <a:ext uri="{0D108BD9-81ED-4DB2-BD59-A6C34878D82A}">
@@ -5742,7 +7145,7 @@
           <p:nvPr>
             <p:extLst>
               <p:ext uri="{D42A27DB-BD31-4B8C-83A1-F6EECF244321}">
-                <p14:modId xmlns:p14="http://schemas.microsoft.com/office/powerpoint/2010/main" val="4294613811"/>
+                <p14:modId xmlns:p14="http://schemas.microsoft.com/office/powerpoint/2010/main" val="627631456"/>
               </p:ext>
             </p:extLst>
           </p:nvPr>
@@ -5779,7 +7182,14 @@
                       <a:endParaRPr lang="zh-CN" altLang="en-US" dirty="0"/>
                     </a:p>
                   </a:txBody>
-                  <a:tcPr/>
+                  <a:tcPr>
+                    <a:solidFill>
+                      <a:schemeClr val="bg1">
+                        <a:lumMod val="50000"/>
+                        <a:lumOff val="50000"/>
+                      </a:schemeClr>
+                    </a:solidFill>
+                  </a:tcPr>
                 </a:tc>
                 <a:extLst>
                   <a:ext uri="{0D108BD9-81ED-4DB2-BD59-A6C34878D82A}">
@@ -5843,7 +7253,11 @@
                       <a:endParaRPr lang="zh-CN" altLang="en-US" dirty="0"/>
                     </a:p>
                   </a:txBody>
-                  <a:tcPr/>
+                  <a:tcPr>
+                    <a:solidFill>
+                      <a:schemeClr val="accent2"/>
+                    </a:solidFill>
+                  </a:tcPr>
                 </a:tc>
                 <a:extLst>
                   <a:ext uri="{0D108BD9-81ED-4DB2-BD59-A6C34878D82A}">
@@ -8001,7 +9415,12 @@
               <a:rPr lang="en-US" altLang="zh-CN" dirty="0"/>
               <a:t> </a:t>
             </a:r>
-            <a:endParaRPr lang="zh-CN" altLang="en-US" dirty="0"/>
+          </a:p>
+          <a:p>
+            <a:r>
+              <a:rPr lang="en-US" altLang="zh-CN" dirty="0"/>
+              <a:t>ret2dl_resolve </a:t>
+            </a:r>
           </a:p>
         </p:txBody>
       </p:sp>
